--- a/Projet -- Fraudulent Activities/Fraudulent Activities.pptx
+++ b/Projet -- Fraudulent Activities/Fraudulent Activities.pptx
@@ -5,7 +5,7 @@
     <p:sldMasterId id="2147483712" r:id="rId4"/>
   </p:sldMasterIdLst>
   <p:notesMasterIdLst>
-    <p:notesMasterId r:id="rId17"/>
+    <p:notesMasterId r:id="rId18"/>
   </p:notesMasterIdLst>
   <p:sldIdLst>
     <p:sldId id="257" r:id="rId5"/>
@@ -16,10 +16,11 @@
     <p:sldId id="261" r:id="rId10"/>
     <p:sldId id="263" r:id="rId11"/>
     <p:sldId id="264" r:id="rId12"/>
-    <p:sldId id="265" r:id="rId13"/>
-    <p:sldId id="266" r:id="rId14"/>
-    <p:sldId id="267" r:id="rId15"/>
-    <p:sldId id="268" r:id="rId16"/>
+    <p:sldId id="269" r:id="rId13"/>
+    <p:sldId id="265" r:id="rId14"/>
+    <p:sldId id="266" r:id="rId15"/>
+    <p:sldId id="267" r:id="rId16"/>
+    <p:sldId id="268" r:id="rId17"/>
   </p:sldIdLst>
   <p:sldSz cx="12192000" cy="6858000"/>
   <p:notesSz cx="6858000" cy="9144000"/>
@@ -214,7 +215,7 @@
           <a:p>
             <a:fld id="{472F480F-2C57-4E9B-93AB-B350A5F064DA}" type="datetimeFigureOut">
               <a:rPr lang="fr-FR" smtClean="0"/>
-              <a:t>06/04/2020</a:t>
+              <a:t>18/04/2020</a:t>
             </a:fld>
             <a:endParaRPr lang="fr-FR"/>
           </a:p>
@@ -804,7 +805,7 @@
           <a:p>
             <a:fld id="{ED291B17-9318-49DB-B28B-6E5994AE9581}" type="datetime1">
               <a:rPr lang="en-US" smtClean="0"/>
-              <a:t>4/4/2020</a:t>
+              <a:t>4/18/2020</a:t>
             </a:fld>
             <a:endParaRPr lang="en-US" dirty="0"/>
           </a:p>
@@ -1007,7 +1008,7 @@
           <a:p>
             <a:fld id="{2CED4963-E985-44C4-B8C4-FDD613B7C2F8}" type="datetime1">
               <a:rPr lang="en-US" smtClean="0"/>
-              <a:t>4/4/2020</a:t>
+              <a:t>4/18/2020</a:t>
             </a:fld>
             <a:endParaRPr lang="en-US" dirty="0"/>
           </a:p>
@@ -1369,7 +1370,7 @@
           <a:p>
             <a:fld id="{ED291B17-9318-49DB-B28B-6E5994AE9581}" type="datetime1">
               <a:rPr lang="en-US" smtClean="0"/>
-              <a:t>4/4/2020</a:t>
+              <a:t>4/18/2020</a:t>
             </a:fld>
             <a:endParaRPr lang="en-US" dirty="0"/>
           </a:p>
@@ -1567,7 +1568,7 @@
           <a:p>
             <a:fld id="{78DD82B9-B8EE-4375-B6FF-88FA6ABB15D9}" type="datetime1">
               <a:rPr lang="en-US" smtClean="0"/>
-              <a:t>4/4/2020</a:t>
+              <a:t>4/18/2020</a:t>
             </a:fld>
             <a:endParaRPr lang="en-US" dirty="0"/>
           </a:p>
@@ -1879,7 +1880,7 @@
           <a:p>
             <a:fld id="{B2497495-0637-405E-AE64-5CC7506D51F5}" type="datetime1">
               <a:rPr lang="en-US" smtClean="0"/>
-              <a:t>4/4/2020</a:t>
+              <a:t>4/18/2020</a:t>
             </a:fld>
             <a:endParaRPr lang="en-US" dirty="0"/>
           </a:p>
@@ -2132,7 +2133,7 @@
           <a:p>
             <a:fld id="{7BFFD690-9426-415D-8B65-26881E07B2D4}" type="datetime1">
               <a:rPr lang="en-US" smtClean="0"/>
-              <a:t>4/4/2020</a:t>
+              <a:t>4/18/2020</a:t>
             </a:fld>
             <a:endParaRPr lang="en-US" dirty="0"/>
           </a:p>
@@ -2554,7 +2555,7 @@
           <a:p>
             <a:fld id="{04C4989A-474C-40DE-95B9-011C28B71673}" type="datetime1">
               <a:rPr lang="en-US" smtClean="0"/>
-              <a:t>4/4/2020</a:t>
+              <a:t>4/18/2020</a:t>
             </a:fld>
             <a:endParaRPr lang="en-US" dirty="0"/>
           </a:p>
@@ -2677,7 +2678,7 @@
           <a:p>
             <a:fld id="{5DB4ED54-5B5E-4A04-93D3-5772E3CE3818}" type="datetime1">
               <a:rPr lang="en-US" smtClean="0"/>
-              <a:t>4/4/2020</a:t>
+              <a:t>4/18/2020</a:t>
             </a:fld>
             <a:endParaRPr lang="en-US" dirty="0"/>
           </a:p>
@@ -2772,7 +2773,7 @@
           <a:p>
             <a:fld id="{4EDE50D6-574B-40AF-946F-D52A04ADE379}" type="datetime1">
               <a:rPr lang="en-US" smtClean="0"/>
-              <a:t>4/4/2020</a:t>
+              <a:t>4/18/2020</a:t>
             </a:fld>
             <a:endParaRPr lang="en-US" dirty="0"/>
           </a:p>
@@ -3149,7 +3150,7 @@
           <a:p>
             <a:fld id="{D82884F1-FFEA-405F-9602-3DCA865EDA4E}" type="datetime1">
               <a:rPr lang="en-US" smtClean="0"/>
-              <a:t>4/4/2020</a:t>
+              <a:t>4/18/2020</a:t>
             </a:fld>
             <a:endParaRPr lang="en-US" dirty="0"/>
           </a:p>
@@ -3442,7 +3443,7 @@
           <a:p>
             <a:fld id="{7E18DB4A-8810-4A10-AD5C-D5E2C667F5B3}" type="datetime1">
               <a:rPr lang="en-US" smtClean="0"/>
-              <a:t>4/4/2020</a:t>
+              <a:t>4/18/2020</a:t>
             </a:fld>
             <a:endParaRPr lang="en-US" dirty="0"/>
           </a:p>
@@ -3657,7 +3658,7 @@
           <a:p>
             <a:fld id="{ED291B17-9318-49DB-B28B-6E5994AE9581}" type="datetime1">
               <a:rPr lang="en-US" smtClean="0"/>
-              <a:t>4/4/2020</a:t>
+              <a:t>4/18/2020</a:t>
             </a:fld>
             <a:endParaRPr lang="en-US" dirty="0"/>
           </a:p>
@@ -4653,12 +4654,46 @@
           <a:chExt cx="0" cy="0"/>
         </a:xfrm>
       </p:grpSpPr>
+      <p:sp>
+        <p:nvSpPr>
+          <p:cNvPr id="2" name="Title 1">
+            <a:extLst>
+              <a:ext uri="{FF2B5EF4-FFF2-40B4-BE49-F238E27FC236}">
+                <a16:creationId xmlns:a16="http://schemas.microsoft.com/office/drawing/2014/main" id="{6D250504-571B-4FA1-A309-CCF21BF852D0}"/>
+              </a:ext>
+            </a:extLst>
+          </p:cNvPr>
+          <p:cNvSpPr>
+            <a:spLocks noGrp="1"/>
+          </p:cNvSpPr>
+          <p:nvPr>
+            <p:ph type="title"/>
+          </p:nvPr>
+        </p:nvSpPr>
+        <p:spPr>
+          <a:xfrm>
+            <a:off x="581192" y="702156"/>
+            <a:ext cx="11029616" cy="634396"/>
+          </a:xfrm>
+        </p:spPr>
+        <p:txBody>
+          <a:bodyPr/>
+          <a:lstStyle/>
+          <a:p>
+            <a:pPr algn="ctr"/>
+            <a:r>
+              <a:rPr lang="fr-FR" dirty="0"/>
+              <a:t>Matrice de confusion</a:t>
+            </a:r>
+          </a:p>
+        </p:txBody>
+      </p:sp>
       <p:pic>
         <p:nvPicPr>
-          <p:cNvPr id="6" name="Picture 5">
+          <p:cNvPr id="7" name="Picture 6">
             <a:extLst>
               <a:ext uri="{FF2B5EF4-FFF2-40B4-BE49-F238E27FC236}">
-                <a16:creationId xmlns:a16="http://schemas.microsoft.com/office/drawing/2014/main" id="{444AE9E4-A342-4A6E-AE8C-566887E0B73D}"/>
+                <a16:creationId xmlns:a16="http://schemas.microsoft.com/office/drawing/2014/main" id="{F4001913-3BE4-4FBD-8744-4FF05280E67C}"/>
               </a:ext>
             </a:extLst>
           </p:cNvPr>
@@ -4675,60 +4710,20 @@
         </p:blipFill>
         <p:spPr>
           <a:xfrm>
-            <a:off x="2904807" y="2371745"/>
-            <a:ext cx="6524625" cy="4238625"/>
+            <a:off x="5112089" y="3989519"/>
+            <a:ext cx="3661153" cy="2538679"/>
           </a:xfrm>
           <a:prstGeom prst="rect">
             <a:avLst/>
           </a:prstGeom>
         </p:spPr>
       </p:pic>
-      <p:sp>
-        <p:nvSpPr>
-          <p:cNvPr id="7" name="TextBox 6">
+      <p:pic>
+        <p:nvPicPr>
+          <p:cNvPr id="4" name="Picture 3">
             <a:extLst>
               <a:ext uri="{FF2B5EF4-FFF2-40B4-BE49-F238E27FC236}">
-                <a16:creationId xmlns:a16="http://schemas.microsoft.com/office/drawing/2014/main" id="{005B48FE-1618-405D-AEF0-30B6D2F2D813}"/>
-              </a:ext>
-            </a:extLst>
-          </p:cNvPr>
-          <p:cNvSpPr txBox="1"/>
-          <p:nvPr/>
-        </p:nvSpPr>
-        <p:spPr>
-          <a:xfrm>
-            <a:off x="4396656" y="660400"/>
-            <a:ext cx="3398687" cy="461665"/>
-          </a:xfrm>
-          <a:prstGeom prst="rect">
-            <a:avLst/>
-          </a:prstGeom>
-          <a:noFill/>
-        </p:spPr>
-        <p:txBody>
-          <a:bodyPr wrap="none" rtlCol="0">
-            <a:spAutoFit/>
-          </a:bodyPr>
-          <a:lstStyle/>
-          <a:p>
-            <a:r>
-              <a:rPr lang="fr-FR" sz="2400" b="1" u="sng" dirty="0"/>
-              <a:t>PCA case : </a:t>
-            </a:r>
-            <a:r>
-              <a:rPr lang="fr-FR" sz="2400" b="1" u="sng" dirty="0" err="1"/>
-              <a:t>SMOTETomek</a:t>
-            </a:r>
-            <a:endParaRPr lang="fr-FR" sz="2400" b="1" u="sng" dirty="0"/>
-          </a:p>
-        </p:txBody>
-      </p:sp>
-      <p:pic>
-        <p:nvPicPr>
-          <p:cNvPr id="8" name="Picture 7">
-            <a:extLst>
-              <a:ext uri="{FF2B5EF4-FFF2-40B4-BE49-F238E27FC236}">
-                <a16:creationId xmlns:a16="http://schemas.microsoft.com/office/drawing/2014/main" id="{F63596ED-904C-41DB-AE2F-D308F7253E66}"/>
+                <a16:creationId xmlns:a16="http://schemas.microsoft.com/office/drawing/2014/main" id="{FEBBF406-1D7F-4D1D-8A62-8EF29D2C602D}"/>
               </a:ext>
             </a:extLst>
           </p:cNvPr>
@@ -4745,24 +4740,531 @@
         </p:blipFill>
         <p:spPr>
           <a:xfrm>
-            <a:off x="3134071" y="1229062"/>
-            <a:ext cx="6066095" cy="1142683"/>
+            <a:off x="641013" y="1391578"/>
+            <a:ext cx="3683090" cy="2540798"/>
           </a:xfrm>
           <a:prstGeom prst="rect">
             <a:avLst/>
           </a:prstGeom>
         </p:spPr>
       </p:pic>
+      <p:pic>
+        <p:nvPicPr>
+          <p:cNvPr id="5" name="Picture 4">
+            <a:extLst>
+              <a:ext uri="{FF2B5EF4-FFF2-40B4-BE49-F238E27FC236}">
+                <a16:creationId xmlns:a16="http://schemas.microsoft.com/office/drawing/2014/main" id="{C80F70E6-52C0-4D6D-B6ED-4C776FE4F0ED}"/>
+              </a:ext>
+            </a:extLst>
+          </p:cNvPr>
+          <p:cNvPicPr>
+            <a:picLocks noChangeAspect="1"/>
+          </p:cNvPicPr>
+          <p:nvPr/>
+        </p:nvPicPr>
+        <p:blipFill>
+          <a:blip r:embed="rId4"/>
+          <a:stretch>
+            <a:fillRect/>
+          </a:stretch>
+        </p:blipFill>
+        <p:spPr>
+          <a:xfrm>
+            <a:off x="4921732" y="1391577"/>
+            <a:ext cx="3915733" cy="2595823"/>
+          </a:xfrm>
+          <a:prstGeom prst="rect">
+            <a:avLst/>
+          </a:prstGeom>
+        </p:spPr>
+      </p:pic>
+      <p:pic>
+        <p:nvPicPr>
+          <p:cNvPr id="6" name="Picture 5">
+            <a:extLst>
+              <a:ext uri="{FF2B5EF4-FFF2-40B4-BE49-F238E27FC236}">
+                <a16:creationId xmlns:a16="http://schemas.microsoft.com/office/drawing/2014/main" id="{640013B8-C6D0-42EB-9309-5D3ED56ACEF5}"/>
+              </a:ext>
+            </a:extLst>
+          </p:cNvPr>
+          <p:cNvPicPr>
+            <a:picLocks noChangeAspect="1"/>
+          </p:cNvPicPr>
+          <p:nvPr/>
+        </p:nvPicPr>
+        <p:blipFill>
+          <a:blip r:embed="rId5"/>
+          <a:stretch>
+            <a:fillRect/>
+          </a:stretch>
+        </p:blipFill>
+        <p:spPr>
+          <a:xfrm>
+            <a:off x="641013" y="3987401"/>
+            <a:ext cx="4041691" cy="2540798"/>
+          </a:xfrm>
+          <a:prstGeom prst="rect">
+            <a:avLst/>
+          </a:prstGeom>
+        </p:spPr>
+      </p:pic>
+      <p:sp>
+        <p:nvSpPr>
+          <p:cNvPr id="8" name="TextBox 7">
+            <a:extLst>
+              <a:ext uri="{FF2B5EF4-FFF2-40B4-BE49-F238E27FC236}">
+                <a16:creationId xmlns:a16="http://schemas.microsoft.com/office/drawing/2014/main" id="{9AA397A7-1EB5-4847-843E-8DAC7AD57EBE}"/>
+              </a:ext>
+            </a:extLst>
+          </p:cNvPr>
+          <p:cNvSpPr txBox="1"/>
+          <p:nvPr/>
+        </p:nvSpPr>
+        <p:spPr>
+          <a:xfrm>
+            <a:off x="111760" y="2489200"/>
+            <a:ext cx="308098" cy="369332"/>
+          </a:xfrm>
+          <a:prstGeom prst="rect">
+            <a:avLst/>
+          </a:prstGeom>
+          <a:noFill/>
+        </p:spPr>
+        <p:txBody>
+          <a:bodyPr wrap="none" rtlCol="0">
+            <a:spAutoFit/>
+          </a:bodyPr>
+          <a:lstStyle/>
+          <a:p>
+            <a:r>
+              <a:rPr lang="fr-FR" dirty="0"/>
+              <a:t>A</a:t>
+            </a:r>
+          </a:p>
+        </p:txBody>
+      </p:sp>
+      <p:sp>
+        <p:nvSpPr>
+          <p:cNvPr id="9" name="TextBox 8">
+            <a:extLst>
+              <a:ext uri="{FF2B5EF4-FFF2-40B4-BE49-F238E27FC236}">
+                <a16:creationId xmlns:a16="http://schemas.microsoft.com/office/drawing/2014/main" id="{A4769C9F-877D-406F-AD99-7FDE91B683E7}"/>
+              </a:ext>
+            </a:extLst>
+          </p:cNvPr>
+          <p:cNvSpPr txBox="1"/>
+          <p:nvPr/>
+        </p:nvSpPr>
+        <p:spPr>
+          <a:xfrm>
+            <a:off x="111760" y="4929164"/>
+            <a:ext cx="317716" cy="369332"/>
+          </a:xfrm>
+          <a:prstGeom prst="rect">
+            <a:avLst/>
+          </a:prstGeom>
+          <a:noFill/>
+        </p:spPr>
+        <p:txBody>
+          <a:bodyPr wrap="none" rtlCol="0">
+            <a:spAutoFit/>
+          </a:bodyPr>
+          <a:lstStyle/>
+          <a:p>
+            <a:r>
+              <a:rPr lang="fr-FR" dirty="0"/>
+              <a:t>C</a:t>
+            </a:r>
+          </a:p>
+        </p:txBody>
+      </p:sp>
+      <p:sp>
+        <p:nvSpPr>
+          <p:cNvPr id="10" name="TextBox 9">
+            <a:extLst>
+              <a:ext uri="{FF2B5EF4-FFF2-40B4-BE49-F238E27FC236}">
+                <a16:creationId xmlns:a16="http://schemas.microsoft.com/office/drawing/2014/main" id="{7491C1B6-B8AA-4162-AC0C-D64A96E651FE}"/>
+              </a:ext>
+            </a:extLst>
+          </p:cNvPr>
+          <p:cNvSpPr txBox="1"/>
+          <p:nvPr/>
+        </p:nvSpPr>
+        <p:spPr>
+          <a:xfrm>
+            <a:off x="4597604" y="2477310"/>
+            <a:ext cx="324128" cy="369332"/>
+          </a:xfrm>
+          <a:prstGeom prst="rect">
+            <a:avLst/>
+          </a:prstGeom>
+          <a:noFill/>
+        </p:spPr>
+        <p:txBody>
+          <a:bodyPr wrap="none" rtlCol="0">
+            <a:spAutoFit/>
+          </a:bodyPr>
+          <a:lstStyle/>
+          <a:p>
+            <a:r>
+              <a:rPr lang="fr-FR" dirty="0"/>
+              <a:t>B</a:t>
+            </a:r>
+          </a:p>
+        </p:txBody>
+      </p:sp>
+      <p:sp>
+        <p:nvSpPr>
+          <p:cNvPr id="11" name="TextBox 10">
+            <a:extLst>
+              <a:ext uri="{FF2B5EF4-FFF2-40B4-BE49-F238E27FC236}">
+                <a16:creationId xmlns:a16="http://schemas.microsoft.com/office/drawing/2014/main" id="{9040A7F1-8E3F-4393-BF35-57254116CE12}"/>
+              </a:ext>
+            </a:extLst>
+          </p:cNvPr>
+          <p:cNvSpPr txBox="1"/>
+          <p:nvPr/>
+        </p:nvSpPr>
+        <p:spPr>
+          <a:xfrm>
+            <a:off x="4535640" y="4929164"/>
+            <a:ext cx="333746" cy="369332"/>
+          </a:xfrm>
+          <a:prstGeom prst="rect">
+            <a:avLst/>
+          </a:prstGeom>
+          <a:noFill/>
+        </p:spPr>
+        <p:txBody>
+          <a:bodyPr wrap="none" rtlCol="0">
+            <a:spAutoFit/>
+          </a:bodyPr>
+          <a:lstStyle/>
+          <a:p>
+            <a:r>
+              <a:rPr lang="fr-FR" dirty="0"/>
+              <a:t>D</a:t>
+            </a:r>
+          </a:p>
+        </p:txBody>
+      </p:sp>
+      <p:sp>
+        <p:nvSpPr>
+          <p:cNvPr id="12" name="Rectangle 11">
+            <a:extLst>
+              <a:ext uri="{FF2B5EF4-FFF2-40B4-BE49-F238E27FC236}">
+                <a16:creationId xmlns:a16="http://schemas.microsoft.com/office/drawing/2014/main" id="{C0D5A2F6-FF78-4679-9DF2-DA4FDD66BD4C}"/>
+              </a:ext>
+            </a:extLst>
+          </p:cNvPr>
+          <p:cNvSpPr/>
+          <p:nvPr/>
+        </p:nvSpPr>
+        <p:spPr>
+          <a:xfrm>
+            <a:off x="9161593" y="1585186"/>
+            <a:ext cx="2749727" cy="954107"/>
+          </a:xfrm>
+          <a:prstGeom prst="rect">
+            <a:avLst/>
+          </a:prstGeom>
+        </p:spPr>
+        <p:txBody>
+          <a:bodyPr wrap="none">
+            <a:spAutoFit/>
+          </a:bodyPr>
+          <a:lstStyle/>
+          <a:p>
+            <a:r>
+              <a:rPr lang="fr-FR" sz="1400" dirty="0" err="1"/>
+              <a:t>Mean</a:t>
+            </a:r>
+            <a:r>
+              <a:rPr lang="fr-FR" sz="1400" dirty="0"/>
+              <a:t> Price Fraud :               36.99</a:t>
+            </a:r>
+          </a:p>
+          <a:p>
+            <a:r>
+              <a:rPr lang="fr-FR" sz="1400" dirty="0" err="1"/>
+              <a:t>Mean</a:t>
+            </a:r>
+            <a:r>
+              <a:rPr lang="fr-FR" sz="1400" dirty="0"/>
+              <a:t> Price </a:t>
+            </a:r>
+            <a:r>
+              <a:rPr lang="fr-FR" sz="1400" dirty="0" err="1"/>
+              <a:t>Without</a:t>
+            </a:r>
+            <a:r>
+              <a:rPr lang="fr-FR" sz="1400" dirty="0"/>
+              <a:t> Fraud : 36.93</a:t>
+            </a:r>
+          </a:p>
+          <a:p>
+            <a:endParaRPr lang="fr-FR" sz="1400" dirty="0"/>
+          </a:p>
+          <a:p>
+            <a:endParaRPr lang="fr-FR" sz="1400" dirty="0"/>
+          </a:p>
+        </p:txBody>
+      </p:sp>
+      <p:sp>
+        <p:nvSpPr>
+          <p:cNvPr id="14" name="TextBox 13">
+            <a:extLst>
+              <a:ext uri="{FF2B5EF4-FFF2-40B4-BE49-F238E27FC236}">
+                <a16:creationId xmlns:a16="http://schemas.microsoft.com/office/drawing/2014/main" id="{6C4731DE-5576-42E9-AB5C-1D4F53CA2865}"/>
+              </a:ext>
+            </a:extLst>
+          </p:cNvPr>
+          <p:cNvSpPr txBox="1"/>
+          <p:nvPr/>
+        </p:nvSpPr>
+        <p:spPr>
+          <a:xfrm>
+            <a:off x="8832851" y="2988996"/>
+            <a:ext cx="3142783" cy="2277547"/>
+          </a:xfrm>
+          <a:prstGeom prst="rect">
+            <a:avLst/>
+          </a:prstGeom>
+          <a:noFill/>
+        </p:spPr>
+        <p:txBody>
+          <a:bodyPr wrap="none" rtlCol="0">
+            <a:spAutoFit/>
+          </a:bodyPr>
+          <a:lstStyle/>
+          <a:p>
+            <a:r>
+              <a:rPr lang="fr-FR" sz="1600" dirty="0"/>
+              <a:t>A=abs(231*39.99 + 2125*36.93</a:t>
+            </a:r>
+          </a:p>
+          <a:p>
+            <a:r>
+              <a:rPr lang="fr-FR" sz="1600" dirty="0"/>
+              <a:t>     - 2545*36,99)</a:t>
+            </a:r>
+          </a:p>
+          <a:p>
+            <a:endParaRPr lang="fr-FR" sz="1600" dirty="0"/>
+          </a:p>
+          <a:p>
+            <a:r>
+              <a:rPr lang="fr-FR" sz="1600" dirty="0"/>
+              <a:t>A=  6 425,61</a:t>
+            </a:r>
+          </a:p>
+          <a:p>
+            <a:r>
+              <a:rPr lang="fr-FR" sz="1600" dirty="0"/>
+              <a:t>B= 14 924,04</a:t>
+            </a:r>
+          </a:p>
+          <a:p>
+            <a:r>
+              <a:rPr lang="fr-FR" sz="1600" dirty="0"/>
+              <a:t>C= 15 071,94</a:t>
+            </a:r>
+          </a:p>
+          <a:p>
+            <a:r>
+              <a:rPr lang="fr-FR" sz="1600" dirty="0"/>
+              <a:t>D= 14 998,02</a:t>
+            </a:r>
+          </a:p>
+          <a:p>
+            <a:endParaRPr lang="fr-FR" sz="1600" dirty="0"/>
+          </a:p>
+          <a:p>
+            <a:endParaRPr lang="fr-FR" sz="1400" dirty="0"/>
+          </a:p>
+        </p:txBody>
+      </p:sp>
+      <p:sp>
+        <p:nvSpPr>
+          <p:cNvPr id="15" name="Rectangle 14">
+            <a:extLst>
+              <a:ext uri="{FF2B5EF4-FFF2-40B4-BE49-F238E27FC236}">
+                <a16:creationId xmlns:a16="http://schemas.microsoft.com/office/drawing/2014/main" id="{A594D4F5-724D-4BBF-B3F4-010795D7994C}"/>
+              </a:ext>
+            </a:extLst>
+          </p:cNvPr>
+          <p:cNvSpPr/>
+          <p:nvPr/>
+        </p:nvSpPr>
+        <p:spPr>
+          <a:xfrm>
+            <a:off x="8865323" y="2846642"/>
+            <a:ext cx="3169920" cy="2226604"/>
+          </a:xfrm>
+          <a:prstGeom prst="rect">
+            <a:avLst/>
+          </a:prstGeom>
+        </p:spPr>
+        <p:style>
+          <a:lnRef idx="2">
+            <a:schemeClr val="dk1">
+              <a:shade val="50000"/>
+            </a:schemeClr>
+          </a:lnRef>
+          <a:fillRef idx="1">
+            <a:schemeClr val="dk1"/>
+          </a:fillRef>
+          <a:effectRef idx="0">
+            <a:schemeClr val="dk1"/>
+          </a:effectRef>
+          <a:fontRef idx="minor">
+            <a:schemeClr val="lt1"/>
+          </a:fontRef>
+        </p:style>
+        <p:txBody>
+          <a:bodyPr rtlCol="0" anchor="ctr"/>
+          <a:lstStyle/>
+          <a:p>
+            <a:pPr algn="ctr"/>
+            <a:endParaRPr lang="fr-FR"/>
+          </a:p>
+        </p:txBody>
+      </p:sp>
+      <p:sp>
+        <p:nvSpPr>
+          <p:cNvPr id="3" name="TextBox 2">
+            <a:extLst>
+              <a:ext uri="{FF2B5EF4-FFF2-40B4-BE49-F238E27FC236}">
+                <a16:creationId xmlns:a16="http://schemas.microsoft.com/office/drawing/2014/main" id="{39FB3791-57BD-4F76-B8E1-295FBEC605EA}"/>
+              </a:ext>
+            </a:extLst>
+          </p:cNvPr>
+          <p:cNvSpPr txBox="1"/>
+          <p:nvPr/>
+        </p:nvSpPr>
+        <p:spPr>
+          <a:xfrm>
+            <a:off x="111760" y="637052"/>
+            <a:ext cx="3928063" cy="584775"/>
+          </a:xfrm>
+          <a:prstGeom prst="rect">
+            <a:avLst/>
+          </a:prstGeom>
+          <a:noFill/>
+        </p:spPr>
+        <p:txBody>
+          <a:bodyPr wrap="none" rtlCol="0">
+            <a:spAutoFit/>
+          </a:bodyPr>
+          <a:lstStyle/>
+          <a:p>
+            <a:r>
+              <a:rPr lang="en-US" sz="3200" dirty="0">
+                <a:solidFill>
+                  <a:srgbClr val="FF0000"/>
+                </a:solidFill>
+              </a:rPr>
+              <a:t>Train Test split = 0,33</a:t>
+            </a:r>
+          </a:p>
+        </p:txBody>
+      </p:sp>
     </p:spTree>
     <p:extLst>
       <p:ext uri="{BB962C8B-B14F-4D97-AF65-F5344CB8AC3E}">
-        <p14:creationId xmlns:p14="http://schemas.microsoft.com/office/powerpoint/2010/main" val="361328678"/>
+        <p14:creationId xmlns:p14="http://schemas.microsoft.com/office/powerpoint/2010/main" val="4013301487"/>
       </p:ext>
     </p:extLst>
   </p:cSld>
   <p:clrMapOvr>
     <a:masterClrMapping/>
   </p:clrMapOvr>
+  <p:timing>
+    <p:tnLst>
+      <p:par>
+        <p:cTn id="1" dur="indefinite" restart="never" nodeType="tmRoot">
+          <p:childTnLst>
+            <p:seq concurrent="1" nextAc="seek">
+              <p:cTn id="2" dur="indefinite" nodeType="mainSeq">
+                <p:childTnLst>
+                  <p:par>
+                    <p:cTn id="3" fill="hold">
+                      <p:stCondLst>
+                        <p:cond delay="indefinite"/>
+                      </p:stCondLst>
+                      <p:childTnLst>
+                        <p:par>
+                          <p:cTn id="4" fill="hold">
+                            <p:stCondLst>
+                              <p:cond delay="0"/>
+                            </p:stCondLst>
+                            <p:childTnLst>
+                              <p:par>
+                                <p:cTn id="5" presetID="16" presetClass="exit" presetSubtype="21" fill="hold" grpId="0" nodeType="clickEffect">
+                                  <p:stCondLst>
+                                    <p:cond delay="0"/>
+                                  </p:stCondLst>
+                                  <p:childTnLst>
+                                    <p:animEffect transition="out" filter="barn(inVertical)">
+                                      <p:cBhvr>
+                                        <p:cTn id="6" dur="500"/>
+                                        <p:tgtEl>
+                                          <p:spTgt spid="15"/>
+                                        </p:tgtEl>
+                                      </p:cBhvr>
+                                    </p:animEffect>
+                                    <p:set>
+                                      <p:cBhvr>
+                                        <p:cTn id="7" dur="1" fill="hold">
+                                          <p:stCondLst>
+                                            <p:cond delay="499"/>
+                                          </p:stCondLst>
+                                        </p:cTn>
+                                        <p:tgtEl>
+                                          <p:spTgt spid="15"/>
+                                        </p:tgtEl>
+                                        <p:attrNameLst>
+                                          <p:attrName>style.visibility</p:attrName>
+                                        </p:attrNameLst>
+                                      </p:cBhvr>
+                                      <p:to>
+                                        <p:strVal val="hidden"/>
+                                      </p:to>
+                                    </p:set>
+                                  </p:childTnLst>
+                                </p:cTn>
+                              </p:par>
+                            </p:childTnLst>
+                          </p:cTn>
+                        </p:par>
+                      </p:childTnLst>
+                    </p:cTn>
+                  </p:par>
+                </p:childTnLst>
+              </p:cTn>
+              <p:prevCondLst>
+                <p:cond evt="onPrev" delay="0">
+                  <p:tgtEl>
+                    <p:sldTgt/>
+                  </p:tgtEl>
+                </p:cond>
+              </p:prevCondLst>
+              <p:nextCondLst>
+                <p:cond evt="onNext" delay="0">
+                  <p:tgtEl>
+                    <p:sldTgt/>
+                  </p:tgtEl>
+                </p:cond>
+              </p:nextCondLst>
+            </p:seq>
+          </p:childTnLst>
+        </p:cTn>
+      </p:par>
+    </p:tnLst>
+    <p:bldLst>
+      <p:bldP spid="15" grpId="0" animBg="1"/>
+    </p:bldLst>
+  </p:timing>
 </p:sld>
 </file>
 
@@ -4783,6 +5285,136 @@
           <a:chExt cx="0" cy="0"/>
         </a:xfrm>
       </p:grpSpPr>
+      <p:pic>
+        <p:nvPicPr>
+          <p:cNvPr id="6" name="Picture 5">
+            <a:extLst>
+              <a:ext uri="{FF2B5EF4-FFF2-40B4-BE49-F238E27FC236}">
+                <a16:creationId xmlns:a16="http://schemas.microsoft.com/office/drawing/2014/main" id="{444AE9E4-A342-4A6E-AE8C-566887E0B73D}"/>
+              </a:ext>
+            </a:extLst>
+          </p:cNvPr>
+          <p:cNvPicPr>
+            <a:picLocks noChangeAspect="1"/>
+          </p:cNvPicPr>
+          <p:nvPr/>
+        </p:nvPicPr>
+        <p:blipFill>
+          <a:blip r:embed="rId2"/>
+          <a:stretch>
+            <a:fillRect/>
+          </a:stretch>
+        </p:blipFill>
+        <p:spPr>
+          <a:xfrm>
+            <a:off x="2904807" y="2371745"/>
+            <a:ext cx="6524625" cy="4238625"/>
+          </a:xfrm>
+          <a:prstGeom prst="rect">
+            <a:avLst/>
+          </a:prstGeom>
+        </p:spPr>
+      </p:pic>
+      <p:sp>
+        <p:nvSpPr>
+          <p:cNvPr id="7" name="TextBox 6">
+            <a:extLst>
+              <a:ext uri="{FF2B5EF4-FFF2-40B4-BE49-F238E27FC236}">
+                <a16:creationId xmlns:a16="http://schemas.microsoft.com/office/drawing/2014/main" id="{005B48FE-1618-405D-AEF0-30B6D2F2D813}"/>
+              </a:ext>
+            </a:extLst>
+          </p:cNvPr>
+          <p:cNvSpPr txBox="1"/>
+          <p:nvPr/>
+        </p:nvSpPr>
+        <p:spPr>
+          <a:xfrm>
+            <a:off x="4396656" y="660400"/>
+            <a:ext cx="3398687" cy="461665"/>
+          </a:xfrm>
+          <a:prstGeom prst="rect">
+            <a:avLst/>
+          </a:prstGeom>
+          <a:noFill/>
+        </p:spPr>
+        <p:txBody>
+          <a:bodyPr wrap="none" rtlCol="0">
+            <a:spAutoFit/>
+          </a:bodyPr>
+          <a:lstStyle/>
+          <a:p>
+            <a:r>
+              <a:rPr lang="fr-FR" sz="2400" b="1" u="sng" dirty="0"/>
+              <a:t>PCA case : </a:t>
+            </a:r>
+            <a:r>
+              <a:rPr lang="fr-FR" sz="2400" b="1" u="sng" dirty="0" err="1"/>
+              <a:t>SMOTETomek</a:t>
+            </a:r>
+            <a:endParaRPr lang="fr-FR" sz="2400" b="1" u="sng" dirty="0"/>
+          </a:p>
+        </p:txBody>
+      </p:sp>
+      <p:pic>
+        <p:nvPicPr>
+          <p:cNvPr id="8" name="Picture 7">
+            <a:extLst>
+              <a:ext uri="{FF2B5EF4-FFF2-40B4-BE49-F238E27FC236}">
+                <a16:creationId xmlns:a16="http://schemas.microsoft.com/office/drawing/2014/main" id="{F63596ED-904C-41DB-AE2F-D308F7253E66}"/>
+              </a:ext>
+            </a:extLst>
+          </p:cNvPr>
+          <p:cNvPicPr>
+            <a:picLocks noChangeAspect="1"/>
+          </p:cNvPicPr>
+          <p:nvPr/>
+        </p:nvPicPr>
+        <p:blipFill>
+          <a:blip r:embed="rId3"/>
+          <a:stretch>
+            <a:fillRect/>
+          </a:stretch>
+        </p:blipFill>
+        <p:spPr>
+          <a:xfrm>
+            <a:off x="3134071" y="1229062"/>
+            <a:ext cx="6066095" cy="1142683"/>
+          </a:xfrm>
+          <a:prstGeom prst="rect">
+            <a:avLst/>
+          </a:prstGeom>
+        </p:spPr>
+      </p:pic>
+    </p:spTree>
+    <p:extLst>
+      <p:ext uri="{BB962C8B-B14F-4D97-AF65-F5344CB8AC3E}">
+        <p14:creationId xmlns:p14="http://schemas.microsoft.com/office/powerpoint/2010/main" val="361328678"/>
+      </p:ext>
+    </p:extLst>
+  </p:cSld>
+  <p:clrMapOvr>
+    <a:masterClrMapping/>
+  </p:clrMapOvr>
+</p:sld>
+</file>
+
+<file path=ppt/slides/slide12.xml><?xml version="1.0" encoding="utf-8"?>
+<p:sld xmlns:a="http://schemas.openxmlformats.org/drawingml/2006/main" xmlns:r="http://schemas.openxmlformats.org/officeDocument/2006/relationships" xmlns:p="http://schemas.openxmlformats.org/presentationml/2006/main">
+  <p:cSld>
+    <p:spTree>
+      <p:nvGrpSpPr>
+        <p:cNvPr id="1" name=""/>
+        <p:cNvGrpSpPr/>
+        <p:nvPr/>
+      </p:nvGrpSpPr>
+      <p:grpSpPr>
+        <a:xfrm>
+          <a:off x="0" y="0"/>
+          <a:ext cx="0" cy="0"/>
+          <a:chOff x="0" y="0"/>
+          <a:chExt cx="0" cy="0"/>
+        </a:xfrm>
+      </p:grpSpPr>
       <p:sp>
         <p:nvSpPr>
           <p:cNvPr id="2" name="Title 1">
@@ -4985,7 +5617,7 @@
 </p:sld>
 </file>
 
-<file path=ppt/slides/slide12.xml><?xml version="1.0" encoding="utf-8"?>
+<file path=ppt/slides/slide13.xml><?xml version="1.0" encoding="utf-8"?>
 <p:sld xmlns:a="http://schemas.openxmlformats.org/drawingml/2006/main" xmlns:r="http://schemas.openxmlformats.org/officeDocument/2006/relationships" xmlns:p="http://schemas.openxmlformats.org/presentationml/2006/main">
   <p:cSld>
     <p:spTree>
@@ -6618,66 +7250,6 @@
           </a:p>
         </p:txBody>
       </p:sp>
-      <p:pic>
-        <p:nvPicPr>
-          <p:cNvPr id="14" name="Picture 13">
-            <a:extLst>
-              <a:ext uri="{FF2B5EF4-FFF2-40B4-BE49-F238E27FC236}">
-                <a16:creationId xmlns:a16="http://schemas.microsoft.com/office/drawing/2014/main" id="{D8D007F6-05D9-4400-8A83-C268EBC42714}"/>
-              </a:ext>
-            </a:extLst>
-          </p:cNvPr>
-          <p:cNvPicPr>
-            <a:picLocks noChangeAspect="1"/>
-          </p:cNvPicPr>
-          <p:nvPr/>
-        </p:nvPicPr>
-        <p:blipFill>
-          <a:blip r:embed="rId3"/>
-          <a:stretch>
-            <a:fillRect/>
-          </a:stretch>
-        </p:blipFill>
-        <p:spPr>
-          <a:xfrm>
-            <a:off x="78856" y="1980645"/>
-            <a:ext cx="6109510" cy="3906821"/>
-          </a:xfrm>
-          <a:prstGeom prst="rect">
-            <a:avLst/>
-          </a:prstGeom>
-        </p:spPr>
-      </p:pic>
-      <p:pic>
-        <p:nvPicPr>
-          <p:cNvPr id="15" name="Picture 14">
-            <a:extLst>
-              <a:ext uri="{FF2B5EF4-FFF2-40B4-BE49-F238E27FC236}">
-                <a16:creationId xmlns:a16="http://schemas.microsoft.com/office/drawing/2014/main" id="{F654DA02-1808-42D6-8F45-01C609BAE9DD}"/>
-              </a:ext>
-            </a:extLst>
-          </p:cNvPr>
-          <p:cNvPicPr>
-            <a:picLocks noChangeAspect="1"/>
-          </p:cNvPicPr>
-          <p:nvPr/>
-        </p:nvPicPr>
-        <p:blipFill>
-          <a:blip r:embed="rId4"/>
-          <a:stretch>
-            <a:fillRect/>
-          </a:stretch>
-        </p:blipFill>
-        <p:spPr>
-          <a:xfrm>
-            <a:off x="6188366" y="1980645"/>
-            <a:ext cx="6003634" cy="3906821"/>
-          </a:xfrm>
-          <a:prstGeom prst="rect">
-            <a:avLst/>
-          </a:prstGeom>
-        </p:spPr>
-      </p:pic>
       <p:sp>
         <p:nvSpPr>
           <p:cNvPr id="16" name="Heptagon 15">
@@ -6721,6 +7293,105 @@
             <a:r>
               <a:rPr lang="en-US" dirty="0"/>
               <a:t>95%</a:t>
+            </a:r>
+          </a:p>
+        </p:txBody>
+      </p:sp>
+      <p:pic>
+        <p:nvPicPr>
+          <p:cNvPr id="2" name="Picture 1">
+            <a:extLst>
+              <a:ext uri="{FF2B5EF4-FFF2-40B4-BE49-F238E27FC236}">
+                <a16:creationId xmlns:a16="http://schemas.microsoft.com/office/drawing/2014/main" id="{36F0FD7B-5532-4A55-8C21-DB1C79040A63}"/>
+              </a:ext>
+            </a:extLst>
+          </p:cNvPr>
+          <p:cNvPicPr>
+            <a:picLocks noChangeAspect="1"/>
+          </p:cNvPicPr>
+          <p:nvPr/>
+        </p:nvPicPr>
+        <p:blipFill>
+          <a:blip r:embed="rId3"/>
+          <a:stretch>
+            <a:fillRect/>
+          </a:stretch>
+        </p:blipFill>
+        <p:spPr>
+          <a:xfrm>
+            <a:off x="81280" y="1975081"/>
+            <a:ext cx="6014720" cy="3802958"/>
+          </a:xfrm>
+          <a:prstGeom prst="rect">
+            <a:avLst/>
+          </a:prstGeom>
+        </p:spPr>
+      </p:pic>
+      <p:pic>
+        <p:nvPicPr>
+          <p:cNvPr id="3" name="Picture 2">
+            <a:extLst>
+              <a:ext uri="{FF2B5EF4-FFF2-40B4-BE49-F238E27FC236}">
+                <a16:creationId xmlns:a16="http://schemas.microsoft.com/office/drawing/2014/main" id="{09FB2933-FFEE-4435-BCB0-FE55D2729BC6}"/>
+              </a:ext>
+            </a:extLst>
+          </p:cNvPr>
+          <p:cNvPicPr>
+            <a:picLocks noChangeAspect="1"/>
+          </p:cNvPicPr>
+          <p:nvPr/>
+        </p:nvPicPr>
+        <p:blipFill>
+          <a:blip r:embed="rId4"/>
+          <a:stretch>
+            <a:fillRect/>
+          </a:stretch>
+        </p:blipFill>
+        <p:spPr>
+          <a:xfrm>
+            <a:off x="6177280" y="1924765"/>
+            <a:ext cx="6014720" cy="3903591"/>
+          </a:xfrm>
+          <a:prstGeom prst="rect">
+            <a:avLst/>
+          </a:prstGeom>
+        </p:spPr>
+      </p:pic>
+      <p:sp>
+        <p:nvSpPr>
+          <p:cNvPr id="10" name="TextBox 9">
+            <a:extLst>
+              <a:ext uri="{FF2B5EF4-FFF2-40B4-BE49-F238E27FC236}">
+                <a16:creationId xmlns:a16="http://schemas.microsoft.com/office/drawing/2014/main" id="{379476AC-592B-4637-8D8F-027D8F64BA6B}"/>
+              </a:ext>
+            </a:extLst>
+          </p:cNvPr>
+          <p:cNvSpPr txBox="1"/>
+          <p:nvPr/>
+        </p:nvSpPr>
+        <p:spPr>
+          <a:xfrm>
+            <a:off x="111760" y="637052"/>
+            <a:ext cx="3687613" cy="584775"/>
+          </a:xfrm>
+          <a:prstGeom prst="rect">
+            <a:avLst/>
+          </a:prstGeom>
+          <a:noFill/>
+        </p:spPr>
+        <p:txBody>
+          <a:bodyPr wrap="none" rtlCol="0">
+            <a:spAutoFit/>
+          </a:bodyPr>
+          <a:lstStyle/>
+          <a:p>
+            <a:r>
+              <a:rPr lang="en-US" sz="3200" dirty="0">
+                <a:solidFill>
+                  <a:srgbClr val="FF0000"/>
+                </a:solidFill>
+              </a:rPr>
+              <a:t>Train Test split = 0,2</a:t>
             </a:r>
           </a:p>
         </p:txBody>
@@ -6774,6 +7445,562 @@
         <p:spPr>
           <a:xfrm>
             <a:off x="581192" y="702156"/>
+            <a:ext cx="11029616" cy="635292"/>
+          </a:xfrm>
+        </p:spPr>
+        <p:txBody>
+          <a:bodyPr/>
+          <a:lstStyle/>
+          <a:p>
+            <a:pPr algn="ctr"/>
+            <a:r>
+              <a:rPr lang="fr-FR" dirty="0"/>
+              <a:t>model ranking</a:t>
+            </a:r>
+          </a:p>
+        </p:txBody>
+      </p:sp>
+      <p:grpSp>
+        <p:nvGrpSpPr>
+          <p:cNvPr id="16" name="Group 15">
+            <a:extLst>
+              <a:ext uri="{FF2B5EF4-FFF2-40B4-BE49-F238E27FC236}">
+                <a16:creationId xmlns:a16="http://schemas.microsoft.com/office/drawing/2014/main" id="{D648A453-A4F5-4CBC-AC3E-F64513605686}"/>
+              </a:ext>
+            </a:extLst>
+          </p:cNvPr>
+          <p:cNvGrpSpPr/>
+          <p:nvPr/>
+        </p:nvGrpSpPr>
+        <p:grpSpPr>
+          <a:xfrm>
+            <a:off x="10178911" y="2522715"/>
+            <a:ext cx="2013089" cy="1589312"/>
+            <a:chOff x="8167961" y="2155267"/>
+            <a:chExt cx="1783534" cy="1300503"/>
+          </a:xfrm>
+        </p:grpSpPr>
+        <p:pic>
+          <p:nvPicPr>
+            <p:cNvPr id="5" name="Picture 4">
+              <a:extLst>
+                <a:ext uri="{FF2B5EF4-FFF2-40B4-BE49-F238E27FC236}">
+                  <a16:creationId xmlns:a16="http://schemas.microsoft.com/office/drawing/2014/main" id="{A4089618-9442-4771-8448-E5D84808CA23}"/>
+                </a:ext>
+              </a:extLst>
+            </p:cNvPr>
+            <p:cNvPicPr>
+              <a:picLocks noChangeAspect="1"/>
+            </p:cNvPicPr>
+            <p:nvPr/>
+          </p:nvPicPr>
+          <p:blipFill>
+            <a:blip r:embed="rId2"/>
+            <a:stretch>
+              <a:fillRect/>
+            </a:stretch>
+          </p:blipFill>
+          <p:spPr>
+            <a:xfrm>
+              <a:off x="8167961" y="2155267"/>
+              <a:ext cx="341173" cy="295872"/>
+            </a:xfrm>
+            <a:prstGeom prst="rect">
+              <a:avLst/>
+            </a:prstGeom>
+          </p:spPr>
+        </p:pic>
+        <p:pic>
+          <p:nvPicPr>
+            <p:cNvPr id="6" name="Picture 5">
+              <a:extLst>
+                <a:ext uri="{FF2B5EF4-FFF2-40B4-BE49-F238E27FC236}">
+                  <a16:creationId xmlns:a16="http://schemas.microsoft.com/office/drawing/2014/main" id="{5ECE97C3-7AE2-41FE-8F14-9F763BA2F300}"/>
+                </a:ext>
+              </a:extLst>
+            </p:cNvPr>
+            <p:cNvPicPr>
+              <a:picLocks noChangeAspect="1"/>
+            </p:cNvPicPr>
+            <p:nvPr/>
+          </p:nvPicPr>
+          <p:blipFill>
+            <a:blip r:embed="rId2"/>
+            <a:stretch>
+              <a:fillRect/>
+            </a:stretch>
+          </p:blipFill>
+          <p:spPr>
+            <a:xfrm>
+              <a:off x="8167961" y="2472917"/>
+              <a:ext cx="341172" cy="295871"/>
+            </a:xfrm>
+            <a:prstGeom prst="rect">
+              <a:avLst/>
+            </a:prstGeom>
+          </p:spPr>
+        </p:pic>
+        <p:pic>
+          <p:nvPicPr>
+            <p:cNvPr id="7" name="Picture 6">
+              <a:extLst>
+                <a:ext uri="{FF2B5EF4-FFF2-40B4-BE49-F238E27FC236}">
+                  <a16:creationId xmlns:a16="http://schemas.microsoft.com/office/drawing/2014/main" id="{9BD97BBF-A47E-4957-A67A-2D2B702A15C0}"/>
+                </a:ext>
+              </a:extLst>
+            </p:cNvPr>
+            <p:cNvPicPr>
+              <a:picLocks noChangeAspect="1"/>
+            </p:cNvPicPr>
+            <p:nvPr/>
+          </p:nvPicPr>
+          <p:blipFill>
+            <a:blip r:embed="rId3">
+              <a:clrChange>
+                <a:clrFrom>
+                  <a:srgbClr val="FCFCF9"/>
+                </a:clrFrom>
+                <a:clrTo>
+                  <a:srgbClr val="FCFCF9">
+                    <a:alpha val="0"/>
+                  </a:srgbClr>
+                </a:clrTo>
+              </a:clrChange>
+              <a:duotone>
+                <a:prstClr val="black"/>
+                <a:srgbClr val="663300">
+                  <a:tint val="45000"/>
+                  <a:satMod val="400000"/>
+                </a:srgbClr>
+              </a:duotone>
+              <a:extLst>
+                <a:ext uri="{BEBA8EAE-BF5A-486C-A8C5-ECC9F3942E4B}">
+                  <a14:imgProps xmlns:a14="http://schemas.microsoft.com/office/drawing/2010/main">
+                    <a14:imgLayer r:embed="rId4">
+                      <a14:imgEffect>
+                        <a14:colorTemperature colorTemp="7200"/>
+                      </a14:imgEffect>
+                      <a14:imgEffect>
+                        <a14:saturation sat="33000"/>
+                      </a14:imgEffect>
+                    </a14:imgLayer>
+                  </a14:imgProps>
+                </a:ext>
+              </a:extLst>
+            </a:blip>
+            <a:stretch>
+              <a:fillRect/>
+            </a:stretch>
+          </p:blipFill>
+          <p:spPr>
+            <a:xfrm>
+              <a:off x="8167961" y="2790566"/>
+              <a:ext cx="341173" cy="295872"/>
+            </a:xfrm>
+            <a:prstGeom prst="rect">
+              <a:avLst/>
+            </a:prstGeom>
+          </p:spPr>
+        </p:pic>
+        <p:pic>
+          <p:nvPicPr>
+            <p:cNvPr id="8" name="Picture 7">
+              <a:extLst>
+                <a:ext uri="{FF2B5EF4-FFF2-40B4-BE49-F238E27FC236}">
+                  <a16:creationId xmlns:a16="http://schemas.microsoft.com/office/drawing/2014/main" id="{40DD4D42-D0D4-49E0-9977-978E6218F2FC}"/>
+                </a:ext>
+              </a:extLst>
+            </p:cNvPr>
+            <p:cNvPicPr>
+              <a:picLocks noChangeAspect="1"/>
+            </p:cNvPicPr>
+            <p:nvPr/>
+          </p:nvPicPr>
+          <p:blipFill>
+            <a:blip r:embed="rId5">
+              <a:extLst>
+                <a:ext uri="{BEBA8EAE-BF5A-486C-A8C5-ECC9F3942E4B}">
+                  <a14:imgProps xmlns:a14="http://schemas.microsoft.com/office/drawing/2010/main">
+                    <a14:imgLayer r:embed="rId4">
+                      <a14:imgEffect>
+                        <a14:saturation sat="0"/>
+                      </a14:imgEffect>
+                    </a14:imgLayer>
+                  </a14:imgProps>
+                </a:ext>
+              </a:extLst>
+            </a:blip>
+            <a:stretch>
+              <a:fillRect/>
+            </a:stretch>
+          </p:blipFill>
+          <p:spPr>
+            <a:xfrm>
+              <a:off x="8183380" y="3143542"/>
+              <a:ext cx="341173" cy="295872"/>
+            </a:xfrm>
+            <a:prstGeom prst="rect">
+              <a:avLst/>
+            </a:prstGeom>
+          </p:spPr>
+        </p:pic>
+        <p:sp>
+          <p:nvSpPr>
+            <p:cNvPr id="9" name="TextBox 8">
+              <a:extLst>
+                <a:ext uri="{FF2B5EF4-FFF2-40B4-BE49-F238E27FC236}">
+                  <a16:creationId xmlns:a16="http://schemas.microsoft.com/office/drawing/2014/main" id="{C5D99B0C-49C8-49E4-83CC-70F92730BA21}"/>
+                </a:ext>
+              </a:extLst>
+            </p:cNvPr>
+            <p:cNvSpPr txBox="1"/>
+            <p:nvPr/>
+          </p:nvSpPr>
+          <p:spPr>
+            <a:xfrm>
+              <a:off x="8736913" y="2288250"/>
+              <a:ext cx="618836" cy="400110"/>
+            </a:xfrm>
+            <a:prstGeom prst="rect">
+              <a:avLst/>
+            </a:prstGeom>
+            <a:noFill/>
+          </p:spPr>
+          <p:txBody>
+            <a:bodyPr wrap="square" rtlCol="0">
+              <a:spAutoFit/>
+            </a:bodyPr>
+            <a:lstStyle/>
+            <a:p>
+              <a:r>
+                <a:rPr lang="fr-FR" dirty="0"/>
+                <a:t>First</a:t>
+              </a:r>
+              <a:r>
+                <a:rPr lang="fr-FR" sz="2000" dirty="0"/>
+                <a:t> </a:t>
+              </a:r>
+            </a:p>
+          </p:txBody>
+        </p:sp>
+        <p:sp>
+          <p:nvSpPr>
+            <p:cNvPr id="10" name="TextBox 9">
+              <a:extLst>
+                <a:ext uri="{FF2B5EF4-FFF2-40B4-BE49-F238E27FC236}">
+                  <a16:creationId xmlns:a16="http://schemas.microsoft.com/office/drawing/2014/main" id="{51C2C02B-EF6B-48E2-8DBB-BB0749B71B12}"/>
+                </a:ext>
+              </a:extLst>
+            </p:cNvPr>
+            <p:cNvSpPr txBox="1"/>
+            <p:nvPr/>
+          </p:nvSpPr>
+          <p:spPr>
+            <a:xfrm>
+              <a:off x="8721493" y="2771970"/>
+              <a:ext cx="1214582" cy="338554"/>
+            </a:xfrm>
+            <a:prstGeom prst="rect">
+              <a:avLst/>
+            </a:prstGeom>
+            <a:noFill/>
+          </p:spPr>
+          <p:txBody>
+            <a:bodyPr wrap="square" rtlCol="0">
+              <a:spAutoFit/>
+            </a:bodyPr>
+            <a:lstStyle/>
+            <a:p>
+              <a:r>
+                <a:rPr lang="fr-FR" sz="1600" dirty="0"/>
+                <a:t>Seconde </a:t>
+              </a:r>
+            </a:p>
+          </p:txBody>
+        </p:sp>
+        <p:sp>
+          <p:nvSpPr>
+            <p:cNvPr id="11" name="TextBox 10">
+              <a:extLst>
+                <a:ext uri="{FF2B5EF4-FFF2-40B4-BE49-F238E27FC236}">
+                  <a16:creationId xmlns:a16="http://schemas.microsoft.com/office/drawing/2014/main" id="{A0EB76E5-3509-4DB4-B155-CD33DD6F7EEB}"/>
+                </a:ext>
+              </a:extLst>
+            </p:cNvPr>
+            <p:cNvSpPr txBox="1"/>
+            <p:nvPr/>
+          </p:nvSpPr>
+          <p:spPr>
+            <a:xfrm>
+              <a:off x="8736913" y="3086438"/>
+              <a:ext cx="1214582" cy="369332"/>
+            </a:xfrm>
+            <a:prstGeom prst="rect">
+              <a:avLst/>
+            </a:prstGeom>
+            <a:noFill/>
+          </p:spPr>
+          <p:txBody>
+            <a:bodyPr wrap="square" rtlCol="0">
+              <a:spAutoFit/>
+            </a:bodyPr>
+            <a:lstStyle/>
+            <a:p>
+              <a:r>
+                <a:rPr lang="en-US" sz="1600" dirty="0"/>
+                <a:t>Third</a:t>
+              </a:r>
+              <a:r>
+                <a:rPr lang="fr-FR" dirty="0"/>
+                <a:t> </a:t>
+              </a:r>
+            </a:p>
+          </p:txBody>
+        </p:sp>
+        <p:sp>
+          <p:nvSpPr>
+            <p:cNvPr id="12" name="Right Brace 11">
+              <a:extLst>
+                <a:ext uri="{FF2B5EF4-FFF2-40B4-BE49-F238E27FC236}">
+                  <a16:creationId xmlns:a16="http://schemas.microsoft.com/office/drawing/2014/main" id="{6D4192C7-CA04-4B57-853D-5DC5A95FA0E5}"/>
+                </a:ext>
+              </a:extLst>
+            </p:cNvPr>
+            <p:cNvSpPr/>
+            <p:nvPr/>
+          </p:nvSpPr>
+          <p:spPr>
+            <a:xfrm>
+              <a:off x="8524553" y="2155267"/>
+              <a:ext cx="212360" cy="635299"/>
+            </a:xfrm>
+            <a:prstGeom prst="rightBrace">
+              <a:avLst/>
+            </a:prstGeom>
+          </p:spPr>
+          <p:style>
+            <a:lnRef idx="1">
+              <a:schemeClr val="dk1"/>
+            </a:lnRef>
+            <a:fillRef idx="0">
+              <a:schemeClr val="dk1"/>
+            </a:fillRef>
+            <a:effectRef idx="0">
+              <a:schemeClr val="dk1"/>
+            </a:effectRef>
+            <a:fontRef idx="minor">
+              <a:schemeClr val="tx1"/>
+            </a:fontRef>
+          </p:style>
+          <p:txBody>
+            <a:bodyPr rtlCol="0" anchor="ctr"/>
+            <a:lstStyle/>
+            <a:p>
+              <a:pPr algn="ctr"/>
+              <a:endParaRPr lang="fr-FR"/>
+            </a:p>
+          </p:txBody>
+        </p:sp>
+        <p:cxnSp>
+          <p:nvCxnSpPr>
+            <p:cNvPr id="14" name="Straight Arrow Connector 13">
+              <a:extLst>
+                <a:ext uri="{FF2B5EF4-FFF2-40B4-BE49-F238E27FC236}">
+                  <a16:creationId xmlns:a16="http://schemas.microsoft.com/office/drawing/2014/main" id="{6AA9B3AE-A7C5-45AD-A63D-861535FA7CE6}"/>
+                </a:ext>
+              </a:extLst>
+            </p:cNvPr>
+            <p:cNvCxnSpPr>
+              <a:cxnSpLocks/>
+              <a:stCxn id="7" idx="3"/>
+            </p:cNvCxnSpPr>
+            <p:nvPr/>
+          </p:nvCxnSpPr>
+          <p:spPr>
+            <a:xfrm>
+              <a:off x="8509134" y="2938502"/>
+              <a:ext cx="121599" cy="0"/>
+            </a:xfrm>
+            <a:prstGeom prst="straightConnector1">
+              <a:avLst/>
+            </a:prstGeom>
+            <a:ln>
+              <a:tailEnd type="triangle"/>
+            </a:ln>
+          </p:spPr>
+          <p:style>
+            <a:lnRef idx="1">
+              <a:schemeClr val="dk1"/>
+            </a:lnRef>
+            <a:fillRef idx="0">
+              <a:schemeClr val="dk1"/>
+            </a:fillRef>
+            <a:effectRef idx="0">
+              <a:schemeClr val="dk1"/>
+            </a:effectRef>
+            <a:fontRef idx="minor">
+              <a:schemeClr val="tx1"/>
+            </a:fontRef>
+          </p:style>
+        </p:cxnSp>
+        <p:cxnSp>
+          <p:nvCxnSpPr>
+            <p:cNvPr id="15" name="Straight Arrow Connector 14">
+              <a:extLst>
+                <a:ext uri="{FF2B5EF4-FFF2-40B4-BE49-F238E27FC236}">
+                  <a16:creationId xmlns:a16="http://schemas.microsoft.com/office/drawing/2014/main" id="{D45B16C0-1831-4818-BB70-AB3223606A98}"/>
+                </a:ext>
+              </a:extLst>
+            </p:cNvPr>
+            <p:cNvCxnSpPr/>
+            <p:nvPr/>
+          </p:nvCxnSpPr>
+          <p:spPr>
+            <a:xfrm>
+              <a:off x="8524553" y="3291478"/>
+              <a:ext cx="121599" cy="0"/>
+            </a:xfrm>
+            <a:prstGeom prst="straightConnector1">
+              <a:avLst/>
+            </a:prstGeom>
+            <a:ln>
+              <a:tailEnd type="triangle"/>
+            </a:ln>
+          </p:spPr>
+          <p:style>
+            <a:lnRef idx="1">
+              <a:schemeClr val="dk1"/>
+            </a:lnRef>
+            <a:fillRef idx="0">
+              <a:schemeClr val="dk1"/>
+            </a:fillRef>
+            <a:effectRef idx="0">
+              <a:schemeClr val="dk1"/>
+            </a:effectRef>
+            <a:fontRef idx="minor">
+              <a:schemeClr val="tx1"/>
+            </a:fontRef>
+          </p:style>
+        </p:cxnSp>
+      </p:grpSp>
+      <p:pic>
+        <p:nvPicPr>
+          <p:cNvPr id="3" name="Picture 2">
+            <a:extLst>
+              <a:ext uri="{FF2B5EF4-FFF2-40B4-BE49-F238E27FC236}">
+                <a16:creationId xmlns:a16="http://schemas.microsoft.com/office/drawing/2014/main" id="{BCED3320-AAF7-437B-A1A1-1E37D436481D}"/>
+              </a:ext>
+            </a:extLst>
+          </p:cNvPr>
+          <p:cNvPicPr>
+            <a:picLocks noChangeAspect="1"/>
+          </p:cNvPicPr>
+          <p:nvPr/>
+        </p:nvPicPr>
+        <p:blipFill>
+          <a:blip r:embed="rId6"/>
+          <a:stretch>
+            <a:fillRect/>
+          </a:stretch>
+        </p:blipFill>
+        <p:spPr>
+          <a:xfrm>
+            <a:off x="1338589" y="2154172"/>
+            <a:ext cx="8647780" cy="3152577"/>
+          </a:xfrm>
+          <a:prstGeom prst="rect">
+            <a:avLst/>
+          </a:prstGeom>
+        </p:spPr>
+      </p:pic>
+      <p:sp>
+        <p:nvSpPr>
+          <p:cNvPr id="17" name="TextBox 16">
+            <a:extLst>
+              <a:ext uri="{FF2B5EF4-FFF2-40B4-BE49-F238E27FC236}">
+                <a16:creationId xmlns:a16="http://schemas.microsoft.com/office/drawing/2014/main" id="{67280152-EFD0-45D7-AA3E-CF4E31B8D063}"/>
+              </a:ext>
+            </a:extLst>
+          </p:cNvPr>
+          <p:cNvSpPr txBox="1"/>
+          <p:nvPr/>
+        </p:nvSpPr>
+        <p:spPr>
+          <a:xfrm>
+            <a:off x="111760" y="637052"/>
+            <a:ext cx="3687613" cy="584775"/>
+          </a:xfrm>
+          <a:prstGeom prst="rect">
+            <a:avLst/>
+          </a:prstGeom>
+          <a:noFill/>
+        </p:spPr>
+        <p:txBody>
+          <a:bodyPr wrap="none" rtlCol="0">
+            <a:spAutoFit/>
+          </a:bodyPr>
+          <a:lstStyle/>
+          <a:p>
+            <a:r>
+              <a:rPr lang="en-US" sz="3200" dirty="0">
+                <a:solidFill>
+                  <a:srgbClr val="FF0000"/>
+                </a:solidFill>
+              </a:rPr>
+              <a:t>Train Test split = 0,2</a:t>
+            </a:r>
+          </a:p>
+        </p:txBody>
+      </p:sp>
+    </p:spTree>
+    <p:extLst>
+      <p:ext uri="{BB962C8B-B14F-4D97-AF65-F5344CB8AC3E}">
+        <p14:creationId xmlns:p14="http://schemas.microsoft.com/office/powerpoint/2010/main" val="2553399458"/>
+      </p:ext>
+    </p:extLst>
+  </p:cSld>
+  <p:clrMapOvr>
+    <a:masterClrMapping/>
+  </p:clrMapOvr>
+</p:sld>
+</file>
+
+<file path=ppt/slides/slide9.xml><?xml version="1.0" encoding="utf-8"?>
+<p:sld xmlns:a="http://schemas.openxmlformats.org/drawingml/2006/main" xmlns:r="http://schemas.openxmlformats.org/officeDocument/2006/relationships" xmlns:p="http://schemas.openxmlformats.org/presentationml/2006/main">
+  <p:cSld>
+    <p:spTree>
+      <p:nvGrpSpPr>
+        <p:cNvPr id="1" name=""/>
+        <p:cNvGrpSpPr/>
+        <p:nvPr/>
+      </p:nvGrpSpPr>
+      <p:grpSpPr>
+        <a:xfrm>
+          <a:off x="0" y="0"/>
+          <a:ext cx="0" cy="0"/>
+          <a:chOff x="0" y="0"/>
+          <a:chExt cx="0" cy="0"/>
+        </a:xfrm>
+      </p:grpSpPr>
+      <p:sp>
+        <p:nvSpPr>
+          <p:cNvPr id="2" name="Title 1">
+            <a:extLst>
+              <a:ext uri="{FF2B5EF4-FFF2-40B4-BE49-F238E27FC236}">
+                <a16:creationId xmlns:a16="http://schemas.microsoft.com/office/drawing/2014/main" id="{D86C12D0-5E23-4DFF-BEE8-B4DC3DDA43B4}"/>
+              </a:ext>
+            </a:extLst>
+          </p:cNvPr>
+          <p:cNvSpPr>
+            <a:spLocks noGrp="1"/>
+          </p:cNvSpPr>
+          <p:nvPr>
+            <p:ph type="title"/>
+          </p:nvPr>
+        </p:nvSpPr>
+        <p:spPr>
+          <a:xfrm>
+            <a:off x="661091" y="1479384"/>
             <a:ext cx="11029616" cy="635292"/>
           </a:xfrm>
         </p:spPr>
@@ -7241,608 +8468,55 @@
           </p:style>
         </p:cxnSp>
       </p:grpSp>
+      <p:sp>
+        <p:nvSpPr>
+          <p:cNvPr id="17" name="TextBox 16">
+            <a:extLst>
+              <a:ext uri="{FF2B5EF4-FFF2-40B4-BE49-F238E27FC236}">
+                <a16:creationId xmlns:a16="http://schemas.microsoft.com/office/drawing/2014/main" id="{6FF53CE3-9853-4F59-932C-63DB37DE064A}"/>
+              </a:ext>
+            </a:extLst>
+          </p:cNvPr>
+          <p:cNvSpPr txBox="1"/>
+          <p:nvPr/>
+        </p:nvSpPr>
+        <p:spPr>
+          <a:xfrm>
+            <a:off x="111760" y="637052"/>
+            <a:ext cx="3928063" cy="584775"/>
+          </a:xfrm>
+          <a:prstGeom prst="rect">
+            <a:avLst/>
+          </a:prstGeom>
+          <a:noFill/>
+        </p:spPr>
+        <p:txBody>
+          <a:bodyPr wrap="none" rtlCol="0">
+            <a:spAutoFit/>
+          </a:bodyPr>
+          <a:lstStyle/>
+          <a:p>
+            <a:r>
+              <a:rPr lang="en-US" sz="3200" dirty="0">
+                <a:solidFill>
+                  <a:srgbClr val="FF0000"/>
+                </a:solidFill>
+              </a:rPr>
+              <a:t>Train Test split = 0,33</a:t>
+            </a:r>
+          </a:p>
+        </p:txBody>
+      </p:sp>
     </p:spTree>
     <p:extLst>
       <p:ext uri="{BB962C8B-B14F-4D97-AF65-F5344CB8AC3E}">
-        <p14:creationId xmlns:p14="http://schemas.microsoft.com/office/powerpoint/2010/main" val="2553399458"/>
+        <p14:creationId xmlns:p14="http://schemas.microsoft.com/office/powerpoint/2010/main" val="3693833726"/>
       </p:ext>
     </p:extLst>
   </p:cSld>
   <p:clrMapOvr>
     <a:masterClrMapping/>
   </p:clrMapOvr>
-</p:sld>
-</file>
-
-<file path=ppt/slides/slide9.xml><?xml version="1.0" encoding="utf-8"?>
-<p:sld xmlns:a="http://schemas.openxmlformats.org/drawingml/2006/main" xmlns:r="http://schemas.openxmlformats.org/officeDocument/2006/relationships" xmlns:p="http://schemas.openxmlformats.org/presentationml/2006/main">
-  <p:cSld>
-    <p:spTree>
-      <p:nvGrpSpPr>
-        <p:cNvPr id="1" name=""/>
-        <p:cNvGrpSpPr/>
-        <p:nvPr/>
-      </p:nvGrpSpPr>
-      <p:grpSpPr>
-        <a:xfrm>
-          <a:off x="0" y="0"/>
-          <a:ext cx="0" cy="0"/>
-          <a:chOff x="0" y="0"/>
-          <a:chExt cx="0" cy="0"/>
-        </a:xfrm>
-      </p:grpSpPr>
-      <p:sp>
-        <p:nvSpPr>
-          <p:cNvPr id="2" name="Title 1">
-            <a:extLst>
-              <a:ext uri="{FF2B5EF4-FFF2-40B4-BE49-F238E27FC236}">
-                <a16:creationId xmlns:a16="http://schemas.microsoft.com/office/drawing/2014/main" id="{6D250504-571B-4FA1-A309-CCF21BF852D0}"/>
-              </a:ext>
-            </a:extLst>
-          </p:cNvPr>
-          <p:cNvSpPr>
-            <a:spLocks noGrp="1"/>
-          </p:cNvSpPr>
-          <p:nvPr>
-            <p:ph type="title"/>
-          </p:nvPr>
-        </p:nvSpPr>
-        <p:spPr>
-          <a:xfrm>
-            <a:off x="581192" y="702156"/>
-            <a:ext cx="11029616" cy="634396"/>
-          </a:xfrm>
-        </p:spPr>
-        <p:txBody>
-          <a:bodyPr/>
-          <a:lstStyle/>
-          <a:p>
-            <a:pPr algn="ctr"/>
-            <a:r>
-              <a:rPr lang="fr-FR" dirty="0"/>
-              <a:t>Matrice de confusion</a:t>
-            </a:r>
-          </a:p>
-        </p:txBody>
-      </p:sp>
-      <p:pic>
-        <p:nvPicPr>
-          <p:cNvPr id="7" name="Picture 6">
-            <a:extLst>
-              <a:ext uri="{FF2B5EF4-FFF2-40B4-BE49-F238E27FC236}">
-                <a16:creationId xmlns:a16="http://schemas.microsoft.com/office/drawing/2014/main" id="{F4001913-3BE4-4FBD-8744-4FF05280E67C}"/>
-              </a:ext>
-            </a:extLst>
-          </p:cNvPr>
-          <p:cNvPicPr>
-            <a:picLocks noChangeAspect="1"/>
-          </p:cNvPicPr>
-          <p:nvPr/>
-        </p:nvPicPr>
-        <p:blipFill>
-          <a:blip r:embed="rId2"/>
-          <a:stretch>
-            <a:fillRect/>
-          </a:stretch>
-        </p:blipFill>
-        <p:spPr>
-          <a:xfrm>
-            <a:off x="5112089" y="3989519"/>
-            <a:ext cx="3661153" cy="2538679"/>
-          </a:xfrm>
-          <a:prstGeom prst="rect">
-            <a:avLst/>
-          </a:prstGeom>
-        </p:spPr>
-      </p:pic>
-      <p:pic>
-        <p:nvPicPr>
-          <p:cNvPr id="4" name="Picture 3">
-            <a:extLst>
-              <a:ext uri="{FF2B5EF4-FFF2-40B4-BE49-F238E27FC236}">
-                <a16:creationId xmlns:a16="http://schemas.microsoft.com/office/drawing/2014/main" id="{FEBBF406-1D7F-4D1D-8A62-8EF29D2C602D}"/>
-              </a:ext>
-            </a:extLst>
-          </p:cNvPr>
-          <p:cNvPicPr>
-            <a:picLocks noChangeAspect="1"/>
-          </p:cNvPicPr>
-          <p:nvPr/>
-        </p:nvPicPr>
-        <p:blipFill>
-          <a:blip r:embed="rId3"/>
-          <a:stretch>
-            <a:fillRect/>
-          </a:stretch>
-        </p:blipFill>
-        <p:spPr>
-          <a:xfrm>
-            <a:off x="641013" y="1391578"/>
-            <a:ext cx="3683090" cy="2540798"/>
-          </a:xfrm>
-          <a:prstGeom prst="rect">
-            <a:avLst/>
-          </a:prstGeom>
-        </p:spPr>
-      </p:pic>
-      <p:pic>
-        <p:nvPicPr>
-          <p:cNvPr id="5" name="Picture 4">
-            <a:extLst>
-              <a:ext uri="{FF2B5EF4-FFF2-40B4-BE49-F238E27FC236}">
-                <a16:creationId xmlns:a16="http://schemas.microsoft.com/office/drawing/2014/main" id="{C80F70E6-52C0-4D6D-B6ED-4C776FE4F0ED}"/>
-              </a:ext>
-            </a:extLst>
-          </p:cNvPr>
-          <p:cNvPicPr>
-            <a:picLocks noChangeAspect="1"/>
-          </p:cNvPicPr>
-          <p:nvPr/>
-        </p:nvPicPr>
-        <p:blipFill>
-          <a:blip r:embed="rId4"/>
-          <a:stretch>
-            <a:fillRect/>
-          </a:stretch>
-        </p:blipFill>
-        <p:spPr>
-          <a:xfrm>
-            <a:off x="4921732" y="1391577"/>
-            <a:ext cx="3915733" cy="2595823"/>
-          </a:xfrm>
-          <a:prstGeom prst="rect">
-            <a:avLst/>
-          </a:prstGeom>
-        </p:spPr>
-      </p:pic>
-      <p:pic>
-        <p:nvPicPr>
-          <p:cNvPr id="6" name="Picture 5">
-            <a:extLst>
-              <a:ext uri="{FF2B5EF4-FFF2-40B4-BE49-F238E27FC236}">
-                <a16:creationId xmlns:a16="http://schemas.microsoft.com/office/drawing/2014/main" id="{640013B8-C6D0-42EB-9309-5D3ED56ACEF5}"/>
-              </a:ext>
-            </a:extLst>
-          </p:cNvPr>
-          <p:cNvPicPr>
-            <a:picLocks noChangeAspect="1"/>
-          </p:cNvPicPr>
-          <p:nvPr/>
-        </p:nvPicPr>
-        <p:blipFill>
-          <a:blip r:embed="rId5"/>
-          <a:stretch>
-            <a:fillRect/>
-          </a:stretch>
-        </p:blipFill>
-        <p:spPr>
-          <a:xfrm>
-            <a:off x="641013" y="3987401"/>
-            <a:ext cx="4041691" cy="2540798"/>
-          </a:xfrm>
-          <a:prstGeom prst="rect">
-            <a:avLst/>
-          </a:prstGeom>
-        </p:spPr>
-      </p:pic>
-      <p:sp>
-        <p:nvSpPr>
-          <p:cNvPr id="8" name="TextBox 7">
-            <a:extLst>
-              <a:ext uri="{FF2B5EF4-FFF2-40B4-BE49-F238E27FC236}">
-                <a16:creationId xmlns:a16="http://schemas.microsoft.com/office/drawing/2014/main" id="{9AA397A7-1EB5-4847-843E-8DAC7AD57EBE}"/>
-              </a:ext>
-            </a:extLst>
-          </p:cNvPr>
-          <p:cNvSpPr txBox="1"/>
-          <p:nvPr/>
-        </p:nvSpPr>
-        <p:spPr>
-          <a:xfrm>
-            <a:off x="111760" y="2489200"/>
-            <a:ext cx="308098" cy="369332"/>
-          </a:xfrm>
-          <a:prstGeom prst="rect">
-            <a:avLst/>
-          </a:prstGeom>
-          <a:noFill/>
-        </p:spPr>
-        <p:txBody>
-          <a:bodyPr wrap="none" rtlCol="0">
-            <a:spAutoFit/>
-          </a:bodyPr>
-          <a:lstStyle/>
-          <a:p>
-            <a:r>
-              <a:rPr lang="fr-FR" dirty="0"/>
-              <a:t>A</a:t>
-            </a:r>
-          </a:p>
-        </p:txBody>
-      </p:sp>
-      <p:sp>
-        <p:nvSpPr>
-          <p:cNvPr id="9" name="TextBox 8">
-            <a:extLst>
-              <a:ext uri="{FF2B5EF4-FFF2-40B4-BE49-F238E27FC236}">
-                <a16:creationId xmlns:a16="http://schemas.microsoft.com/office/drawing/2014/main" id="{A4769C9F-877D-406F-AD99-7FDE91B683E7}"/>
-              </a:ext>
-            </a:extLst>
-          </p:cNvPr>
-          <p:cNvSpPr txBox="1"/>
-          <p:nvPr/>
-        </p:nvSpPr>
-        <p:spPr>
-          <a:xfrm>
-            <a:off x="111760" y="4929164"/>
-            <a:ext cx="317716" cy="369332"/>
-          </a:xfrm>
-          <a:prstGeom prst="rect">
-            <a:avLst/>
-          </a:prstGeom>
-          <a:noFill/>
-        </p:spPr>
-        <p:txBody>
-          <a:bodyPr wrap="none" rtlCol="0">
-            <a:spAutoFit/>
-          </a:bodyPr>
-          <a:lstStyle/>
-          <a:p>
-            <a:r>
-              <a:rPr lang="fr-FR" dirty="0"/>
-              <a:t>C</a:t>
-            </a:r>
-          </a:p>
-        </p:txBody>
-      </p:sp>
-      <p:sp>
-        <p:nvSpPr>
-          <p:cNvPr id="10" name="TextBox 9">
-            <a:extLst>
-              <a:ext uri="{FF2B5EF4-FFF2-40B4-BE49-F238E27FC236}">
-                <a16:creationId xmlns:a16="http://schemas.microsoft.com/office/drawing/2014/main" id="{7491C1B6-B8AA-4162-AC0C-D64A96E651FE}"/>
-              </a:ext>
-            </a:extLst>
-          </p:cNvPr>
-          <p:cNvSpPr txBox="1"/>
-          <p:nvPr/>
-        </p:nvSpPr>
-        <p:spPr>
-          <a:xfrm>
-            <a:off x="4597604" y="2477310"/>
-            <a:ext cx="324128" cy="369332"/>
-          </a:xfrm>
-          <a:prstGeom prst="rect">
-            <a:avLst/>
-          </a:prstGeom>
-          <a:noFill/>
-        </p:spPr>
-        <p:txBody>
-          <a:bodyPr wrap="none" rtlCol="0">
-            <a:spAutoFit/>
-          </a:bodyPr>
-          <a:lstStyle/>
-          <a:p>
-            <a:r>
-              <a:rPr lang="fr-FR" dirty="0"/>
-              <a:t>B</a:t>
-            </a:r>
-          </a:p>
-        </p:txBody>
-      </p:sp>
-      <p:sp>
-        <p:nvSpPr>
-          <p:cNvPr id="11" name="TextBox 10">
-            <a:extLst>
-              <a:ext uri="{FF2B5EF4-FFF2-40B4-BE49-F238E27FC236}">
-                <a16:creationId xmlns:a16="http://schemas.microsoft.com/office/drawing/2014/main" id="{9040A7F1-8E3F-4393-BF35-57254116CE12}"/>
-              </a:ext>
-            </a:extLst>
-          </p:cNvPr>
-          <p:cNvSpPr txBox="1"/>
-          <p:nvPr/>
-        </p:nvSpPr>
-        <p:spPr>
-          <a:xfrm>
-            <a:off x="4535640" y="4929164"/>
-            <a:ext cx="333746" cy="369332"/>
-          </a:xfrm>
-          <a:prstGeom prst="rect">
-            <a:avLst/>
-          </a:prstGeom>
-          <a:noFill/>
-        </p:spPr>
-        <p:txBody>
-          <a:bodyPr wrap="none" rtlCol="0">
-            <a:spAutoFit/>
-          </a:bodyPr>
-          <a:lstStyle/>
-          <a:p>
-            <a:r>
-              <a:rPr lang="fr-FR" dirty="0"/>
-              <a:t>D</a:t>
-            </a:r>
-          </a:p>
-        </p:txBody>
-      </p:sp>
-      <p:sp>
-        <p:nvSpPr>
-          <p:cNvPr id="12" name="Rectangle 11">
-            <a:extLst>
-              <a:ext uri="{FF2B5EF4-FFF2-40B4-BE49-F238E27FC236}">
-                <a16:creationId xmlns:a16="http://schemas.microsoft.com/office/drawing/2014/main" id="{C0D5A2F6-FF78-4679-9DF2-DA4FDD66BD4C}"/>
-              </a:ext>
-            </a:extLst>
-          </p:cNvPr>
-          <p:cNvSpPr/>
-          <p:nvPr/>
-        </p:nvSpPr>
-        <p:spPr>
-          <a:xfrm>
-            <a:off x="9161593" y="1585186"/>
-            <a:ext cx="2749727" cy="954107"/>
-          </a:xfrm>
-          <a:prstGeom prst="rect">
-            <a:avLst/>
-          </a:prstGeom>
-        </p:spPr>
-        <p:txBody>
-          <a:bodyPr wrap="none">
-            <a:spAutoFit/>
-          </a:bodyPr>
-          <a:lstStyle/>
-          <a:p>
-            <a:r>
-              <a:rPr lang="fr-FR" sz="1400" dirty="0" err="1"/>
-              <a:t>Mean</a:t>
-            </a:r>
-            <a:r>
-              <a:rPr lang="fr-FR" sz="1400" dirty="0"/>
-              <a:t> Price Fraud :               36.99</a:t>
-            </a:r>
-          </a:p>
-          <a:p>
-            <a:r>
-              <a:rPr lang="fr-FR" sz="1400" dirty="0" err="1"/>
-              <a:t>Mean</a:t>
-            </a:r>
-            <a:r>
-              <a:rPr lang="fr-FR" sz="1400" dirty="0"/>
-              <a:t> Price </a:t>
-            </a:r>
-            <a:r>
-              <a:rPr lang="fr-FR" sz="1400" dirty="0" err="1"/>
-              <a:t>Without</a:t>
-            </a:r>
-            <a:r>
-              <a:rPr lang="fr-FR" sz="1400" dirty="0"/>
-              <a:t> Fraud : 36.93</a:t>
-            </a:r>
-          </a:p>
-          <a:p>
-            <a:endParaRPr lang="fr-FR" sz="1400" dirty="0"/>
-          </a:p>
-          <a:p>
-            <a:endParaRPr lang="fr-FR" sz="1400" dirty="0"/>
-          </a:p>
-        </p:txBody>
-      </p:sp>
-      <p:sp>
-        <p:nvSpPr>
-          <p:cNvPr id="14" name="TextBox 13">
-            <a:extLst>
-              <a:ext uri="{FF2B5EF4-FFF2-40B4-BE49-F238E27FC236}">
-                <a16:creationId xmlns:a16="http://schemas.microsoft.com/office/drawing/2014/main" id="{6C4731DE-5576-42E9-AB5C-1D4F53CA2865}"/>
-              </a:ext>
-            </a:extLst>
-          </p:cNvPr>
-          <p:cNvSpPr txBox="1"/>
-          <p:nvPr/>
-        </p:nvSpPr>
-        <p:spPr>
-          <a:xfrm>
-            <a:off x="8832851" y="2988996"/>
-            <a:ext cx="3142783" cy="2277547"/>
-          </a:xfrm>
-          <a:prstGeom prst="rect">
-            <a:avLst/>
-          </a:prstGeom>
-          <a:noFill/>
-        </p:spPr>
-        <p:txBody>
-          <a:bodyPr wrap="none" rtlCol="0">
-            <a:spAutoFit/>
-          </a:bodyPr>
-          <a:lstStyle/>
-          <a:p>
-            <a:r>
-              <a:rPr lang="fr-FR" sz="1600" dirty="0"/>
-              <a:t>A=abs(231*39.99 + 2125*36.93</a:t>
-            </a:r>
-          </a:p>
-          <a:p>
-            <a:r>
-              <a:rPr lang="fr-FR" sz="1600" dirty="0"/>
-              <a:t>     - 2545*36,99)</a:t>
-            </a:r>
-          </a:p>
-          <a:p>
-            <a:endParaRPr lang="fr-FR" sz="1600" dirty="0"/>
-          </a:p>
-          <a:p>
-            <a:r>
-              <a:rPr lang="fr-FR" sz="1600" dirty="0"/>
-              <a:t>A=  6 425,61</a:t>
-            </a:r>
-          </a:p>
-          <a:p>
-            <a:r>
-              <a:rPr lang="fr-FR" sz="1600" dirty="0"/>
-              <a:t>B= 14 924,04</a:t>
-            </a:r>
-          </a:p>
-          <a:p>
-            <a:r>
-              <a:rPr lang="fr-FR" sz="1600" dirty="0"/>
-              <a:t>C= 15 071,94</a:t>
-            </a:r>
-          </a:p>
-          <a:p>
-            <a:r>
-              <a:rPr lang="fr-FR" sz="1600" dirty="0"/>
-              <a:t>D= 14 998,02</a:t>
-            </a:r>
-          </a:p>
-          <a:p>
-            <a:endParaRPr lang="fr-FR" sz="1600" dirty="0"/>
-          </a:p>
-          <a:p>
-            <a:endParaRPr lang="fr-FR" sz="1400" dirty="0"/>
-          </a:p>
-        </p:txBody>
-      </p:sp>
-      <p:sp>
-        <p:nvSpPr>
-          <p:cNvPr id="15" name="Rectangle 14">
-            <a:extLst>
-              <a:ext uri="{FF2B5EF4-FFF2-40B4-BE49-F238E27FC236}">
-                <a16:creationId xmlns:a16="http://schemas.microsoft.com/office/drawing/2014/main" id="{A594D4F5-724D-4BBF-B3F4-010795D7994C}"/>
-              </a:ext>
-            </a:extLst>
-          </p:cNvPr>
-          <p:cNvSpPr/>
-          <p:nvPr/>
-        </p:nvSpPr>
-        <p:spPr>
-          <a:xfrm>
-            <a:off x="8865323" y="2846642"/>
-            <a:ext cx="3169920" cy="2226604"/>
-          </a:xfrm>
-          <a:prstGeom prst="rect">
-            <a:avLst/>
-          </a:prstGeom>
-        </p:spPr>
-        <p:style>
-          <a:lnRef idx="2">
-            <a:schemeClr val="dk1">
-              <a:shade val="50000"/>
-            </a:schemeClr>
-          </a:lnRef>
-          <a:fillRef idx="1">
-            <a:schemeClr val="dk1"/>
-          </a:fillRef>
-          <a:effectRef idx="0">
-            <a:schemeClr val="dk1"/>
-          </a:effectRef>
-          <a:fontRef idx="minor">
-            <a:schemeClr val="lt1"/>
-          </a:fontRef>
-        </p:style>
-        <p:txBody>
-          <a:bodyPr rtlCol="0" anchor="ctr"/>
-          <a:lstStyle/>
-          <a:p>
-            <a:pPr algn="ctr"/>
-            <a:endParaRPr lang="fr-FR"/>
-          </a:p>
-        </p:txBody>
-      </p:sp>
-    </p:spTree>
-    <p:extLst>
-      <p:ext uri="{BB962C8B-B14F-4D97-AF65-F5344CB8AC3E}">
-        <p14:creationId xmlns:p14="http://schemas.microsoft.com/office/powerpoint/2010/main" val="4013301487"/>
-      </p:ext>
-    </p:extLst>
-  </p:cSld>
-  <p:clrMapOvr>
-    <a:masterClrMapping/>
-  </p:clrMapOvr>
-  <p:timing>
-    <p:tnLst>
-      <p:par>
-        <p:cTn id="1" dur="indefinite" restart="never" nodeType="tmRoot">
-          <p:childTnLst>
-            <p:seq concurrent="1" nextAc="seek">
-              <p:cTn id="2" dur="indefinite" nodeType="mainSeq">
-                <p:childTnLst>
-                  <p:par>
-                    <p:cTn id="3" fill="hold">
-                      <p:stCondLst>
-                        <p:cond delay="indefinite"/>
-                      </p:stCondLst>
-                      <p:childTnLst>
-                        <p:par>
-                          <p:cTn id="4" fill="hold">
-                            <p:stCondLst>
-                              <p:cond delay="0"/>
-                            </p:stCondLst>
-                            <p:childTnLst>
-                              <p:par>
-                                <p:cTn id="5" presetID="16" presetClass="exit" presetSubtype="21" fill="hold" grpId="0" nodeType="clickEffect">
-                                  <p:stCondLst>
-                                    <p:cond delay="0"/>
-                                  </p:stCondLst>
-                                  <p:childTnLst>
-                                    <p:animEffect transition="out" filter="barn(inVertical)">
-                                      <p:cBhvr>
-                                        <p:cTn id="6" dur="500"/>
-                                        <p:tgtEl>
-                                          <p:spTgt spid="15"/>
-                                        </p:tgtEl>
-                                      </p:cBhvr>
-                                    </p:animEffect>
-                                    <p:set>
-                                      <p:cBhvr>
-                                        <p:cTn id="7" dur="1" fill="hold">
-                                          <p:stCondLst>
-                                            <p:cond delay="499"/>
-                                          </p:stCondLst>
-                                        </p:cTn>
-                                        <p:tgtEl>
-                                          <p:spTgt spid="15"/>
-                                        </p:tgtEl>
-                                        <p:attrNameLst>
-                                          <p:attrName>style.visibility</p:attrName>
-                                        </p:attrNameLst>
-                                      </p:cBhvr>
-                                      <p:to>
-                                        <p:strVal val="hidden"/>
-                                      </p:to>
-                                    </p:set>
-                                  </p:childTnLst>
-                                </p:cTn>
-                              </p:par>
-                            </p:childTnLst>
-                          </p:cTn>
-                        </p:par>
-                      </p:childTnLst>
-                    </p:cTn>
-                  </p:par>
-                </p:childTnLst>
-              </p:cTn>
-              <p:prevCondLst>
-                <p:cond evt="onPrev" delay="0">
-                  <p:tgtEl>
-                    <p:sldTgt/>
-                  </p:tgtEl>
-                </p:cond>
-              </p:prevCondLst>
-              <p:nextCondLst>
-                <p:cond evt="onNext" delay="0">
-                  <p:tgtEl>
-                    <p:sldTgt/>
-                  </p:tgtEl>
-                </p:cond>
-              </p:nextCondLst>
-            </p:seq>
-          </p:childTnLst>
-        </p:cTn>
-      </p:par>
-    </p:tnLst>
-    <p:bldLst>
-      <p:bldP spid="15" grpId="0" animBg="1"/>
-    </p:bldLst>
-  </p:timing>
 </p:sld>
 </file>
 
@@ -8420,15 +9094,6 @@
 </file>
 
 <file path=customXml/item2.xml><?xml version="1.0" encoding="utf-8"?>
-<?mso-contentType ?>
-<FormTemplates xmlns="http://schemas.microsoft.com/sharepoint/v3/contenttype/forms">
-  <Display>DocumentLibraryForm</Display>
-  <Edit>DocumentLibraryForm</Edit>
-  <New>DocumentLibraryForm</New>
-</FormTemplates>
-</file>
-
-<file path=customXml/item3.xml><?xml version="1.0" encoding="utf-8"?>
 <ct:contentTypeSchema xmlns:ct="http://schemas.microsoft.com/office/2006/metadata/contentType" xmlns:ma="http://schemas.microsoft.com/office/2006/metadata/properties/metaAttributes" ct:_="" ma:_="" ma:contentTypeName="Document" ma:contentTypeID="0x01010079F111ED35F8CC479449609E8A0923A6" ma:contentTypeVersion="12" ma:contentTypeDescription="Create a new document." ma:contentTypeScope="" ma:versionID="a410dd7f93c95333ffa1b60ed6adedd1">
   <xsd:schema xmlns:xsd="http://www.w3.org/2001/XMLSchema" xmlns:xs="http://www.w3.org/2001/XMLSchema" xmlns:p="http://schemas.microsoft.com/office/2006/metadata/properties" xmlns:ns2="71af3243-3dd4-4a8d-8c0d-dd76da1f02a5" xmlns:ns3="16c05727-aa75-4e4a-9b5f-8a80a1165891" targetNamespace="http://schemas.microsoft.com/office/2006/metadata/properties" ma:root="true" ma:fieldsID="a936d9baba76aa3866493feff160faab" ns2:_="" ns3:_="">
     <xsd:import namespace="71af3243-3dd4-4a8d-8c0d-dd76da1f02a5"/>
@@ -8649,6 +9314,15 @@
 </ct:contentTypeSchema>
 </file>
 
+<file path=customXml/item3.xml><?xml version="1.0" encoding="utf-8"?>
+<?mso-contentType ?>
+<FormTemplates xmlns="http://schemas.microsoft.com/sharepoint/v3/contenttype/forms">
+  <Display>DocumentLibraryForm</Display>
+  <Edit>DocumentLibraryForm</Edit>
+  <New>DocumentLibraryForm</New>
+</FormTemplates>
+</file>
+
 <file path=customXml/itemProps1.xml><?xml version="1.0" encoding="utf-8"?>
 <ds:datastoreItem xmlns:ds="http://schemas.openxmlformats.org/officeDocument/2006/customXml" ds:itemID="{8D289AE2-D2AE-49D1-AFAC-3A79F6794255}">
   <ds:schemaRefs>
@@ -8660,14 +9334,6 @@
 </file>
 
 <file path=customXml/itemProps2.xml><?xml version="1.0" encoding="utf-8"?>
-<ds:datastoreItem xmlns:ds="http://schemas.openxmlformats.org/officeDocument/2006/customXml" ds:itemID="{927BD4C1-B6B1-4715-ABF9-E660A51A4EA0}">
-  <ds:schemaRefs>
-    <ds:schemaRef ds:uri="http://schemas.microsoft.com/sharepoint/v3/contenttype/forms"/>
-  </ds:schemaRefs>
-</ds:datastoreItem>
-</file>
-
-<file path=customXml/itemProps3.xml><?xml version="1.0" encoding="utf-8"?>
 <ds:datastoreItem xmlns:ds="http://schemas.openxmlformats.org/officeDocument/2006/customXml" ds:itemID="{41E7CA09-9778-4414-AE97-8064B12DA30E}">
   <ds:schemaRefs>
     <ds:schemaRef ds:uri="http://schemas.microsoft.com/office/2006/metadata/contentType"/>
@@ -8684,4 +9350,12 @@
     <ds:schemaRef ds:uri="http://schemas.microsoft.com/internal/obd"/>
   </ds:schemaRefs>
 </ds:datastoreItem>
+</file>
+
+<file path=customXml/itemProps3.xml><?xml version="1.0" encoding="utf-8"?>
+<ds:datastoreItem xmlns:ds="http://schemas.openxmlformats.org/officeDocument/2006/customXml" ds:itemID="{927BD4C1-B6B1-4715-ABF9-E660A51A4EA0}">
+  <ds:schemaRefs>
+    <ds:schemaRef ds:uri="http://schemas.microsoft.com/sharepoint/v3/contenttype/forms"/>
+  </ds:schemaRefs>
+</ds:datastoreItem>
 </file>